--- a/powerpoint.pptx
+++ b/powerpoint.pptx
@@ -9,9 +9,9 @@
   </p:notesMasterIdLst>
   <p:sldIdLst>
     <p:sldId id="256" r:id="rId2"/>
-    <p:sldId id="257" r:id="rId3"/>
-    <p:sldId id="272" r:id="rId4"/>
-    <p:sldId id="260" r:id="rId5"/>
+    <p:sldId id="260" r:id="rId3"/>
+    <p:sldId id="257" r:id="rId4"/>
+    <p:sldId id="272" r:id="rId5"/>
     <p:sldId id="263" r:id="rId6"/>
     <p:sldId id="261" r:id="rId7"/>
     <p:sldId id="287" r:id="rId8"/>
@@ -3468,7 +3468,7 @@
               </a:spcAft>
               <a:buNone/>
             </a:pPr>
-            <a:endParaRPr/>
+            <a:endParaRPr dirty="0"/>
           </a:p>
         </p:txBody>
       </p:sp>
@@ -3972,6 +3972,114 @@
   <p:cSld>
     <p:spTree>
       <p:nvGrpSpPr>
+        <p:cNvPr id="1" name="Shape 134"/>
+        <p:cNvGrpSpPr/>
+        <p:nvPr/>
+      </p:nvGrpSpPr>
+      <p:grpSpPr>
+        <a:xfrm>
+          <a:off x="0" y="0"/>
+          <a:ext cx="0" cy="0"/>
+          <a:chOff x="0" y="0"/>
+          <a:chExt cx="0" cy="0"/>
+        </a:xfrm>
+      </p:grpSpPr>
+      <p:sp>
+        <p:nvSpPr>
+          <p:cNvPr id="135" name="Google Shape;135;g35f391192_09:notes"/>
+          <p:cNvSpPr>
+            <a:spLocks noGrp="1" noRot="1" noChangeAspect="1"/>
+          </p:cNvSpPr>
+          <p:nvPr>
+            <p:ph type="sldImg" idx="2"/>
+          </p:nvPr>
+        </p:nvSpPr>
+        <p:spPr>
+          <a:xfrm>
+            <a:off x="381000" y="685800"/>
+            <a:ext cx="6096000" cy="3429000"/>
+          </a:xfrm>
+          <a:custGeom>
+            <a:avLst/>
+            <a:gdLst/>
+            <a:ahLst/>
+            <a:cxnLst/>
+            <a:rect l="l" t="t" r="r" b="b"/>
+            <a:pathLst>
+              <a:path w="120000" h="120000" extrusionOk="0">
+                <a:moveTo>
+                  <a:pt x="0" y="0"/>
+                </a:moveTo>
+                <a:lnTo>
+                  <a:pt x="120000" y="0"/>
+                </a:lnTo>
+                <a:lnTo>
+                  <a:pt x="120000" y="120000"/>
+                </a:lnTo>
+                <a:lnTo>
+                  <a:pt x="0" y="120000"/>
+                </a:lnTo>
+                <a:close/>
+              </a:path>
+            </a:pathLst>
+          </a:custGeom>
+        </p:spPr>
+      </p:sp>
+      <p:sp>
+        <p:nvSpPr>
+          <p:cNvPr id="136" name="Google Shape;136;g35f391192_09:notes"/>
+          <p:cNvSpPr txBox="1">
+            <a:spLocks noGrp="1"/>
+          </p:cNvSpPr>
+          <p:nvPr>
+            <p:ph type="body" idx="1"/>
+          </p:nvPr>
+        </p:nvSpPr>
+        <p:spPr>
+          <a:xfrm>
+            <a:off x="685800" y="4343400"/>
+            <a:ext cx="5486400" cy="4114800"/>
+          </a:xfrm>
+          <a:prstGeom prst="rect">
+            <a:avLst/>
+          </a:prstGeom>
+        </p:spPr>
+        <p:txBody>
+          <a:bodyPr spcFirstLastPara="1" wrap="square" lIns="91425" tIns="91425" rIns="91425" bIns="91425" anchor="t" anchorCtr="0">
+            <a:noAutofit/>
+          </a:bodyPr>
+          <a:lstStyle/>
+          <a:p>
+            <a:pPr marL="0" lvl="0" indent="0" algn="l" rtl="0">
+              <a:spcBef>
+                <a:spcPts val="0"/>
+              </a:spcBef>
+              <a:spcAft>
+                <a:spcPts val="0"/>
+              </a:spcAft>
+              <a:buNone/>
+            </a:pPr>
+            <a:r>
+              <a:rPr lang="en-US" dirty="0"/>
+              <a:t>First question</a:t>
+            </a:r>
+            <a:endParaRPr dirty="0"/>
+          </a:p>
+        </p:txBody>
+      </p:sp>
+    </p:spTree>
+  </p:cSld>
+  <p:clrMapOvr>
+    <a:masterClrMapping/>
+  </p:clrMapOvr>
+</p:notes>
+</file>
+
+<file path=ppt/notesSlides/notesSlide3.xml><?xml version="1.0" encoding="utf-8"?>
+<p:notes xmlns:a="http://schemas.openxmlformats.org/drawingml/2006/main" xmlns:r="http://schemas.openxmlformats.org/officeDocument/2006/relationships" xmlns:p="http://schemas.openxmlformats.org/presentationml/2006/main" showMasterSp="0" showMasterPhAnim="0">
+  <p:cSld>
+    <p:spTree>
+      <p:nvGrpSpPr>
         <p:cNvPr id="1" name="Shape 110"/>
         <p:cNvGrpSpPr/>
         <p:nvPr/>
@@ -4135,7 +4243,7 @@
             </a:pPr>
             <a:r>
               <a:rPr lang="en-US" dirty="0"/>
-              <a:t>Each row/entry contains the number of new cases reported per day and per country. After 14 December 2020, ECDC shifted to weekly data collection.</a:t>
+              <a:t>Each row contains the number of new cases reported per day and per country. After 14 December 2020, ECDC shifted to weekly data collection.</a:t>
             </a:r>
           </a:p>
           <a:p>
@@ -4194,7 +4302,7 @@
 </p:notes>
 </file>
 
-<file path=ppt/notesSlides/notesSlide3.xml><?xml version="1.0" encoding="utf-8"?>
+<file path=ppt/notesSlides/notesSlide4.xml><?xml version="1.0" encoding="utf-8"?>
 <p:notes xmlns:a="http://schemas.openxmlformats.org/drawingml/2006/main" xmlns:r="http://schemas.openxmlformats.org/officeDocument/2006/relationships" xmlns:p="http://schemas.openxmlformats.org/presentationml/2006/main" showMasterSp="0" showMasterPhAnim="0">
   <p:cSld>
     <p:spTree>
@@ -4407,114 +4515,6 @@
               </a:spcAft>
             </a:pPr>
             <a:endParaRPr lang="en-US" dirty="0"/>
-          </a:p>
-        </p:txBody>
-      </p:sp>
-    </p:spTree>
-  </p:cSld>
-  <p:clrMapOvr>
-    <a:masterClrMapping/>
-  </p:clrMapOvr>
-</p:notes>
-</file>
-
-<file path=ppt/notesSlides/notesSlide4.xml><?xml version="1.0" encoding="utf-8"?>
-<p:notes xmlns:a="http://schemas.openxmlformats.org/drawingml/2006/main" xmlns:r="http://schemas.openxmlformats.org/officeDocument/2006/relationships" xmlns:p="http://schemas.openxmlformats.org/presentationml/2006/main" showMasterSp="0" showMasterPhAnim="0">
-  <p:cSld>
-    <p:spTree>
-      <p:nvGrpSpPr>
-        <p:cNvPr id="1" name="Shape 134"/>
-        <p:cNvGrpSpPr/>
-        <p:nvPr/>
-      </p:nvGrpSpPr>
-      <p:grpSpPr>
-        <a:xfrm>
-          <a:off x="0" y="0"/>
-          <a:ext cx="0" cy="0"/>
-          <a:chOff x="0" y="0"/>
-          <a:chExt cx="0" cy="0"/>
-        </a:xfrm>
-      </p:grpSpPr>
-      <p:sp>
-        <p:nvSpPr>
-          <p:cNvPr id="135" name="Google Shape;135;g35f391192_09:notes"/>
-          <p:cNvSpPr>
-            <a:spLocks noGrp="1" noRot="1" noChangeAspect="1"/>
-          </p:cNvSpPr>
-          <p:nvPr>
-            <p:ph type="sldImg" idx="2"/>
-          </p:nvPr>
-        </p:nvSpPr>
-        <p:spPr>
-          <a:xfrm>
-            <a:off x="381000" y="685800"/>
-            <a:ext cx="6096000" cy="3429000"/>
-          </a:xfrm>
-          <a:custGeom>
-            <a:avLst/>
-            <a:gdLst/>
-            <a:ahLst/>
-            <a:cxnLst/>
-            <a:rect l="l" t="t" r="r" b="b"/>
-            <a:pathLst>
-              <a:path w="120000" h="120000" extrusionOk="0">
-                <a:moveTo>
-                  <a:pt x="0" y="0"/>
-                </a:moveTo>
-                <a:lnTo>
-                  <a:pt x="120000" y="0"/>
-                </a:lnTo>
-                <a:lnTo>
-                  <a:pt x="120000" y="120000"/>
-                </a:lnTo>
-                <a:lnTo>
-                  <a:pt x="0" y="120000"/>
-                </a:lnTo>
-                <a:close/>
-              </a:path>
-            </a:pathLst>
-          </a:custGeom>
-        </p:spPr>
-      </p:sp>
-      <p:sp>
-        <p:nvSpPr>
-          <p:cNvPr id="136" name="Google Shape;136;g35f391192_09:notes"/>
-          <p:cNvSpPr txBox="1">
-            <a:spLocks noGrp="1"/>
-          </p:cNvSpPr>
-          <p:nvPr>
-            <p:ph type="body" idx="1"/>
-          </p:nvPr>
-        </p:nvSpPr>
-        <p:spPr>
-          <a:xfrm>
-            <a:off x="685800" y="4343400"/>
-            <a:ext cx="5486400" cy="4114800"/>
-          </a:xfrm>
-          <a:prstGeom prst="rect">
-            <a:avLst/>
-          </a:prstGeom>
-        </p:spPr>
-        <p:txBody>
-          <a:bodyPr spcFirstLastPara="1" wrap="square" lIns="91425" tIns="91425" rIns="91425" bIns="91425" anchor="t" anchorCtr="0">
-            <a:noAutofit/>
-          </a:bodyPr>
-          <a:lstStyle/>
-          <a:p>
-            <a:pPr marL="0" lvl="0" indent="0" algn="l" rtl="0">
-              <a:spcBef>
-                <a:spcPts val="0"/>
-              </a:spcBef>
-              <a:spcAft>
-                <a:spcPts val="0"/>
-              </a:spcAft>
-              <a:buNone/>
-            </a:pPr>
-            <a:r>
-              <a:rPr lang="en-US" dirty="0"/>
-              <a:t>First question</a:t>
-            </a:r>
-            <a:endParaRPr dirty="0"/>
           </a:p>
         </p:txBody>
       </p:sp>
@@ -11017,6 +11017,47 @@
           </a:p>
         </p:txBody>
       </p:sp>
+      <p:sp>
+        <p:nvSpPr>
+          <p:cNvPr id="3" name="Rectangle 2">
+            <a:extLst>
+              <a:ext uri="{FF2B5EF4-FFF2-40B4-BE49-F238E27FC236}">
+                <a16:creationId xmlns:a16="http://schemas.microsoft.com/office/drawing/2014/main" id="{D2DC92E8-2461-F04E-9C6C-CD41AFFEE38C}"/>
+              </a:ext>
+            </a:extLst>
+          </p:cNvPr>
+          <p:cNvSpPr/>
+          <p:nvPr/>
+        </p:nvSpPr>
+        <p:spPr>
+          <a:xfrm>
+            <a:off x="7706801" y="4558895"/>
+            <a:ext cx="1295950" cy="461665"/>
+          </a:xfrm>
+          <a:prstGeom prst="rect">
+            <a:avLst/>
+          </a:prstGeom>
+        </p:spPr>
+        <p:txBody>
+          <a:bodyPr wrap="square">
+            <a:spAutoFit/>
+          </a:bodyPr>
+          <a:lstStyle/>
+          <a:p>
+            <a:r>
+              <a:rPr lang="en" sz="2400" dirty="0">
+                <a:solidFill>
+                  <a:srgbClr val="FFFFFF"/>
+                </a:solidFill>
+                <a:latin typeface="Dosis"/>
+                <a:sym typeface="Dosis"/>
+              </a:rPr>
+              <a:t>- Edward</a:t>
+            </a:r>
+            <a:endParaRPr lang="en-US" sz="2400" dirty="0"/>
+          </a:p>
+        </p:txBody>
+      </p:sp>
     </p:spTree>
   </p:cSld>
   <p:clrMapOvr>
@@ -11148,7 +11189,7 @@
           <a:graphicData uri="http://schemas.openxmlformats.org/presentationml/2006/ole">
             <mc:AlternateContent xmlns:mc="http://schemas.openxmlformats.org/markup-compatibility/2006">
               <mc:Choice xmlns:v="urn:schemas-microsoft-com:vml" Requires="v">
-                <p:oleObj spid="_x0000_s1113" r:id="" imgW="0" imgH="0" progId="">
+                <p:oleObj spid="_x0000_s1137" r:id="" imgW="0" imgH="0" progId="">
                   <p:embed/>
                 </p:oleObj>
               </mc:Choice>
@@ -11200,7 +11241,7 @@
           <a:graphicData uri="http://schemas.openxmlformats.org/presentationml/2006/ole">
             <mc:AlternateContent xmlns:mc="http://schemas.openxmlformats.org/markup-compatibility/2006">
               <mc:Choice xmlns:v="urn:schemas-microsoft-com:vml" Requires="v">
-                <p:oleObj spid="_x0000_s1114" r:id="" imgW="0" imgH="0" progId="">
+                <p:oleObj spid="_x0000_s1138" r:id="" imgW="0" imgH="0" progId="">
                   <p:embed/>
                 </p:oleObj>
               </mc:Choice>
@@ -11258,7 +11299,7 @@
           <a:graphicData uri="http://schemas.openxmlformats.org/presentationml/2006/ole">
             <mc:AlternateContent xmlns:mc="http://schemas.openxmlformats.org/markup-compatibility/2006">
               <mc:Choice xmlns:v="urn:schemas-microsoft-com:vml" Requires="v">
-                <p:oleObj spid="_x0000_s1115" r:id="" imgW="0" imgH="0" progId="">
+                <p:oleObj spid="_x0000_s1139" r:id="" imgW="0" imgH="0" progId="">
                   <p:embed/>
                 </p:oleObj>
               </mc:Choice>
@@ -11449,7 +11490,7 @@
           <a:graphicData uri="http://schemas.openxmlformats.org/presentationml/2006/ole">
             <mc:AlternateContent xmlns:mc="http://schemas.openxmlformats.org/markup-compatibility/2006">
               <mc:Choice xmlns:v="urn:schemas-microsoft-com:vml" Requires="v">
-                <p:oleObj spid="_x0000_s2103" r:id="" imgW="0" imgH="0" progId="">
+                <p:oleObj spid="_x0000_s2127" r:id="" imgW="0" imgH="0" progId="">
                   <p:embed/>
                 </p:oleObj>
               </mc:Choice>
@@ -11507,7 +11548,7 @@
           <a:graphicData uri="http://schemas.openxmlformats.org/presentationml/2006/ole">
             <mc:AlternateContent xmlns:mc="http://schemas.openxmlformats.org/markup-compatibility/2006">
               <mc:Choice xmlns:v="urn:schemas-microsoft-com:vml" Requires="v">
-                <p:oleObj spid="_x0000_s2104" r:id="" imgW="0" imgH="0" progId="">
+                <p:oleObj spid="_x0000_s2128" r:id="" imgW="0" imgH="0" progId="">
                   <p:embed/>
                 </p:oleObj>
               </mc:Choice>
@@ -11565,7 +11606,7 @@
           <a:graphicData uri="http://schemas.openxmlformats.org/presentationml/2006/ole">
             <mc:AlternateContent xmlns:mc="http://schemas.openxmlformats.org/markup-compatibility/2006">
               <mc:Choice xmlns:v="urn:schemas-microsoft-com:vml" Requires="v">
-                <p:oleObj spid="_x0000_s2105" r:id="" imgW="0" imgH="0" progId="">
+                <p:oleObj spid="_x0000_s2129" r:id="" imgW="0" imgH="0" progId="">
                   <p:embed/>
                 </p:oleObj>
               </mc:Choice>
@@ -11833,11 +11874,14 @@
             <a:pPr marL="285750" indent="-285750"/>
             <a:r>
               <a:rPr lang="en-US" sz="1600" dirty="0"/>
-              <a:t>Repeat for </a:t>
-            </a:r>
-            <a:r>
-              <a:rPr lang="en-US" sz="1600"/>
-              <a:t>all directions</a:t>
+              <a:t>Repeat for all directions</a:t>
+            </a:r>
+          </a:p>
+          <a:p>
+            <a:pPr marL="285750" indent="-285750"/>
+            <a:r>
+              <a:rPr lang="en-US" sz="1600" dirty="0"/>
+              <a:t>Return counter</a:t>
             </a:r>
             <a:endParaRPr sz="1600" dirty="0"/>
           </a:p>
@@ -12114,6 +12158,92 @@
           </a:p>
         </p:txBody>
       </p:sp>
+      <p:sp>
+        <p:nvSpPr>
+          <p:cNvPr id="2" name="Rectangle 1">
+            <a:extLst>
+              <a:ext uri="{FF2B5EF4-FFF2-40B4-BE49-F238E27FC236}">
+                <a16:creationId xmlns:a16="http://schemas.microsoft.com/office/drawing/2014/main" id="{968F7DFC-444F-EA43-BD16-E9C8F887C6F9}"/>
+              </a:ext>
+            </a:extLst>
+          </p:cNvPr>
+          <p:cNvSpPr/>
+          <p:nvPr/>
+        </p:nvSpPr>
+        <p:spPr>
+          <a:xfrm>
+            <a:off x="4369600" y="4638523"/>
+            <a:ext cx="4799712" cy="270459"/>
+          </a:xfrm>
+          <a:prstGeom prst="rect">
+            <a:avLst/>
+          </a:prstGeom>
+        </p:spPr>
+        <p:txBody>
+          <a:bodyPr wrap="none">
+            <a:spAutoFit/>
+          </a:bodyPr>
+          <a:lstStyle/>
+          <a:p>
+            <a:pPr marL="76200" lvl="0">
+              <a:lnSpc>
+                <a:spcPct val="115000"/>
+              </a:lnSpc>
+              <a:spcBef>
+                <a:spcPts val="600"/>
+              </a:spcBef>
+              <a:buSzPts val="2400"/>
+            </a:pPr>
+            <a:r>
+              <a:rPr lang="en-US" sz="1100" dirty="0">
+                <a:solidFill>
+                  <a:schemeClr val="accent1"/>
+                </a:solidFill>
+              </a:rPr>
+              <a:t>Presentation template by </a:t>
+            </a:r>
+            <a:r>
+              <a:rPr lang="en-US" sz="1100" u="sng" dirty="0">
+                <a:solidFill>
+                  <a:schemeClr val="accent1"/>
+                </a:solidFill>
+                <a:hlinkClick r:id="rId3">
+                  <a:extLst>
+                    <a:ext uri="{A12FA001-AC4F-418D-AE19-62706E023703}">
+                      <ahyp:hlinkClr xmlns:ahyp="http://schemas.microsoft.com/office/drawing/2018/hyperlinkcolor" val="tx"/>
+                    </a:ext>
+                  </a:extLst>
+                </a:hlinkClick>
+              </a:rPr>
+              <a:t>SlidesCarnival</a:t>
+            </a:r>
+            <a:r>
+              <a:rPr lang="en-US" sz="1100" dirty="0">
+                <a:solidFill>
+                  <a:schemeClr val="accent1"/>
+                </a:solidFill>
+              </a:rPr>
+              <a:t>: https://</a:t>
+            </a:r>
+            <a:r>
+              <a:rPr lang="en-US" sz="1100" dirty="0" err="1">
+                <a:solidFill>
+                  <a:schemeClr val="accent1"/>
+                </a:solidFill>
+              </a:rPr>
+              <a:t>www.slidescarnival.com</a:t>
+            </a:r>
+            <a:r>
+              <a:rPr lang="en-US" sz="1100" dirty="0">
+                <a:solidFill>
+                  <a:schemeClr val="accent1"/>
+                </a:solidFill>
+              </a:rPr>
+              <a:t>/</a:t>
+            </a:r>
+          </a:p>
+        </p:txBody>
+      </p:sp>
     </p:spTree>
   </p:cSld>
   <p:clrMapOvr>
@@ -12123,6 +12253,73 @@
 </file>
 
 <file path=ppt/slides/slide2.xml><?xml version="1.0" encoding="utf-8"?>
+<p:sld xmlns:a="http://schemas.openxmlformats.org/drawingml/2006/main" xmlns:r="http://schemas.openxmlformats.org/officeDocument/2006/relationships" xmlns:p="http://schemas.openxmlformats.org/presentationml/2006/main">
+  <p:cSld>
+    <p:spTree>
+      <p:nvGrpSpPr>
+        <p:cNvPr id="1" name="Shape 137"/>
+        <p:cNvGrpSpPr/>
+        <p:nvPr/>
+      </p:nvGrpSpPr>
+      <p:grpSpPr>
+        <a:xfrm>
+          <a:off x="0" y="0"/>
+          <a:ext cx="0" cy="0"/>
+          <a:chOff x="0" y="0"/>
+          <a:chExt cx="0" cy="0"/>
+        </a:xfrm>
+      </p:grpSpPr>
+      <p:sp>
+        <p:nvSpPr>
+          <p:cNvPr id="138" name="Google Shape;138;p17"/>
+          <p:cNvSpPr txBox="1">
+            <a:spLocks noGrp="1"/>
+          </p:cNvSpPr>
+          <p:nvPr>
+            <p:ph type="body" idx="1"/>
+          </p:nvPr>
+        </p:nvSpPr>
+        <p:spPr>
+          <a:xfrm>
+            <a:off x="990375" y="1021950"/>
+            <a:ext cx="7343100" cy="3372600"/>
+          </a:xfrm>
+          <a:prstGeom prst="rect">
+            <a:avLst/>
+          </a:prstGeom>
+        </p:spPr>
+        <p:txBody>
+          <a:bodyPr spcFirstLastPara="1" wrap="square" lIns="91425" tIns="91425" rIns="91425" bIns="91425" anchor="ctr" anchorCtr="0">
+            <a:noAutofit/>
+          </a:bodyPr>
+          <a:lstStyle/>
+          <a:p>
+            <a:pPr marL="0" lvl="0" indent="0" algn="l" rtl="0">
+              <a:spcBef>
+                <a:spcPts val="600"/>
+              </a:spcBef>
+              <a:spcAft>
+                <a:spcPts val="0"/>
+              </a:spcAft>
+              <a:buNone/>
+            </a:pPr>
+            <a:r>
+              <a:rPr lang="en" dirty="0"/>
+              <a:t>How many confirmed Covid-19 cases did each country have by 12/14/2020?</a:t>
+            </a:r>
+            <a:endParaRPr dirty="0"/>
+          </a:p>
+        </p:txBody>
+      </p:sp>
+    </p:spTree>
+  </p:cSld>
+  <p:clrMapOvr>
+    <a:masterClrMapping/>
+  </p:clrMapOvr>
+</p:sld>
+</file>
+
+<file path=ppt/slides/slide3.xml><?xml version="1.0" encoding="utf-8"?>
 <p:sld xmlns:a="http://schemas.openxmlformats.org/drawingml/2006/main" xmlns:r="http://schemas.openxmlformats.org/officeDocument/2006/relationships" xmlns:p="http://schemas.openxmlformats.org/presentationml/2006/main">
   <p:cSld>
     <p:spTree>
@@ -12442,41 +12639,14 @@
             <a:endParaRPr lang="en-US" sz="1400" dirty="0"/>
           </a:p>
           <a:p>
-            <a:pPr marL="285750" lvl="0" indent="-285750">
+            <a:pPr marL="0" lvl="0" indent="0">
               <a:buClr>
                 <a:schemeClr val="dk1"/>
               </a:buClr>
               <a:buSzPts val="1100"/>
-              <a:buFont typeface="Wingdings" pitchFamily="2" charset="2"/>
-              <a:buChar char="§"/>
+              <a:buNone/>
             </a:pPr>
             <a:endParaRPr lang="en" sz="1400" dirty="0"/>
-          </a:p>
-          <a:p>
-            <a:pPr marL="0" lvl="0" indent="0" algn="l" rtl="0">
-              <a:spcBef>
-                <a:spcPts val="600"/>
-              </a:spcBef>
-              <a:spcAft>
-                <a:spcPts val="0"/>
-              </a:spcAft>
-              <a:buNone/>
-            </a:pPr>
-            <a:r>
-              <a:rPr lang="en" sz="1400" dirty="0"/>
-              <a:t>Remember to download and install the fonts used in this presentation (you’ll find the links to the font files needed in the </a:t>
-            </a:r>
-            <a:r>
-              <a:rPr lang="en" sz="1400" u="sng" dirty="0">
-                <a:hlinkClick r:id="" action="ppaction://noaction"/>
-              </a:rPr>
-              <a:t>Presentation design slide</a:t>
-            </a:r>
-            <a:r>
-              <a:rPr lang="en" sz="1400" dirty="0"/>
-              <a:t>)</a:t>
-            </a:r>
-            <a:endParaRPr sz="1400" dirty="0"/>
           </a:p>
         </p:txBody>
       </p:sp>
@@ -12599,7 +12769,7 @@
             </a:pPr>
             <a:fld id="{00000000-1234-1234-1234-123412341234}" type="slidenum">
               <a:rPr lang="en"/>
-              <a:t>2</a:t>
+              <a:t>3</a:t>
             </a:fld>
             <a:endParaRPr/>
           </a:p>
@@ -12613,7 +12783,7 @@
 </p:sld>
 </file>
 
-<file path=ppt/slides/slide3.xml><?xml version="1.0" encoding="utf-8"?>
+<file path=ppt/slides/slide4.xml><?xml version="1.0" encoding="utf-8"?>
 <p:sld xmlns:a="http://schemas.openxmlformats.org/drawingml/2006/main" xmlns:r="http://schemas.openxmlformats.org/officeDocument/2006/relationships" xmlns:p="http://schemas.openxmlformats.org/presentationml/2006/main">
   <p:cSld>
     <p:spTree>
@@ -13643,73 +13813,6 @@
 </p:sld>
 </file>
 
-<file path=ppt/slides/slide4.xml><?xml version="1.0" encoding="utf-8"?>
-<p:sld xmlns:a="http://schemas.openxmlformats.org/drawingml/2006/main" xmlns:r="http://schemas.openxmlformats.org/officeDocument/2006/relationships" xmlns:p="http://schemas.openxmlformats.org/presentationml/2006/main">
-  <p:cSld>
-    <p:spTree>
-      <p:nvGrpSpPr>
-        <p:cNvPr id="1" name="Shape 137"/>
-        <p:cNvGrpSpPr/>
-        <p:nvPr/>
-      </p:nvGrpSpPr>
-      <p:grpSpPr>
-        <a:xfrm>
-          <a:off x="0" y="0"/>
-          <a:ext cx="0" cy="0"/>
-          <a:chOff x="0" y="0"/>
-          <a:chExt cx="0" cy="0"/>
-        </a:xfrm>
-      </p:grpSpPr>
-      <p:sp>
-        <p:nvSpPr>
-          <p:cNvPr id="138" name="Google Shape;138;p17"/>
-          <p:cNvSpPr txBox="1">
-            <a:spLocks noGrp="1"/>
-          </p:cNvSpPr>
-          <p:nvPr>
-            <p:ph type="body" idx="1"/>
-          </p:nvPr>
-        </p:nvSpPr>
-        <p:spPr>
-          <a:xfrm>
-            <a:off x="990375" y="1021950"/>
-            <a:ext cx="7343100" cy="3372600"/>
-          </a:xfrm>
-          <a:prstGeom prst="rect">
-            <a:avLst/>
-          </a:prstGeom>
-        </p:spPr>
-        <p:txBody>
-          <a:bodyPr spcFirstLastPara="1" wrap="square" lIns="91425" tIns="91425" rIns="91425" bIns="91425" anchor="ctr" anchorCtr="0">
-            <a:noAutofit/>
-          </a:bodyPr>
-          <a:lstStyle/>
-          <a:p>
-            <a:pPr marL="0" lvl="0" indent="0" algn="l" rtl="0">
-              <a:spcBef>
-                <a:spcPts val="600"/>
-              </a:spcBef>
-              <a:spcAft>
-                <a:spcPts val="0"/>
-              </a:spcAft>
-              <a:buNone/>
-            </a:pPr>
-            <a:r>
-              <a:rPr lang="en" dirty="0"/>
-              <a:t>How many confirmed Covid-19 cases did each country have by 12/14/2020?</a:t>
-            </a:r>
-            <a:endParaRPr dirty="0"/>
-          </a:p>
-        </p:txBody>
-      </p:sp>
-    </p:spTree>
-  </p:cSld>
-  <p:clrMapOvr>
-    <a:masterClrMapping/>
-  </p:clrMapOvr>
-</p:sld>
-</file>
-
 <file path=ppt/slides/slide5.xml><?xml version="1.0" encoding="utf-8"?>
 <p:sld xmlns:a="http://schemas.openxmlformats.org/drawingml/2006/main" xmlns:r="http://schemas.openxmlformats.org/officeDocument/2006/relationships" xmlns:p="http://schemas.openxmlformats.org/presentationml/2006/main">
   <p:cSld>
@@ -13842,7 +13945,7 @@
             </a:pPr>
             <a:r>
               <a:rPr lang="en-US" sz="2000" dirty="0"/>
-              <a:t>Sorted keys of countries and an </a:t>
+              <a:t>Sorted key-value pair of countries-&gt;cases (</a:t>
             </a:r>
             <a:r>
               <a:rPr lang="en-US" sz="2000" dirty="0" err="1"/>
@@ -13850,7 +13953,7 @@
             </a:r>
             <a:r>
               <a:rPr lang="en-US" sz="2000" dirty="0"/>
-              <a:t> of cases for each country</a:t>
+              <a:t> of cases for each country)</a:t>
             </a:r>
             <a:endParaRPr sz="2000" dirty="0"/>
           </a:p>
